--- a/presentation/case Especialista de Vendas - Entrega.pptx
+++ b/presentation/case Especialista de Vendas - Entrega.pptx
@@ -119,14 +119,6 @@
     </p:ext>
   </p:extLst>
 </p:presentation>
-</file>
-
-<file path=ppt/revisionInfo.xml><?xml version="1.0" encoding="utf-8"?>
-<p1510:revInfo xmlns:a="http://schemas.openxmlformats.org/drawingml/2006/main" xmlns:r="http://schemas.openxmlformats.org/officeDocument/2006/relationships" xmlns:p1510="http://schemas.microsoft.com/office/powerpoint/2015/10/main">
-  <p1510:revLst>
-    <p1510:client id="{1A8D361E-F887-4EE9-B0AB-422C8DF8F7EB}" v="36" dt="2025-05-27T13:11:58.933"/>
-  </p1510:revLst>
-</p1510:revInfo>
 </file>
 
 <file path=ppt/notesMasters/notesMaster1.xml><?xml version="1.0" encoding="utf-8"?>
